--- a/Milestone1Presentation.pptx
+++ b/Milestone1Presentation.pptx
@@ -11830,7 +11830,7 @@
             <a:tbl>
               <a:tblPr>
                 <a:noFill/>
-                <a:tableStyleId>{C9ED71EE-A23C-49A4-B947-668A60F3EF4A}</a:tableStyleId>
+                <a:tableStyleId>{D76AD4D8-0980-496B-99F9-FFA61FFBC261}</a:tableStyleId>
               </a:tblPr>
               <a:tblGrid>
                 <a:gridCol w="1485900"/>
@@ -13373,7 +13373,7 @@
             <a:tbl>
               <a:tblPr>
                 <a:noFill/>
-                <a:tableStyleId>{C9ED71EE-A23C-49A4-B947-668A60F3EF4A}</a:tableStyleId>
+                <a:tableStyleId>{D76AD4D8-0980-496B-99F9-FFA61FFBC261}</a:tableStyleId>
               </a:tblPr>
               <a:tblGrid>
                 <a:gridCol w="1981200"/>
@@ -14114,7 +14114,7 @@
             <a:tbl>
               <a:tblPr>
                 <a:noFill/>
-                <a:tableStyleId>{C9ED71EE-A23C-49A4-B947-668A60F3EF4A}</a:tableStyleId>
+                <a:tableStyleId>{D76AD4D8-0980-496B-99F9-FFA61FFBC261}</a:tableStyleId>
               </a:tblPr>
               <a:tblGrid>
                 <a:gridCol w="1485900"/>
@@ -15999,6 +15999,9 @@
           <a:lstStyle/>
           <a:p>
             <a:pPr indent="0" lvl="0" marL="0" rtl="0" algn="l">
+              <a:lnSpc>
+                <a:spcPct val="115000"/>
+              </a:lnSpc>
               <a:spcBef>
                 <a:spcPts val="0"/>
               </a:spcBef>
@@ -16008,79 +16011,82 @@
               <a:buNone/>
             </a:pPr>
             <a:r>
-              <a:rPr lang="en"/>
-              <a:t>DEMO</a:t>
-            </a:r>
-            <a:endParaRPr/>
-          </a:p>
-        </p:txBody>
-      </p:sp>
-      <p:sp>
-        <p:nvSpPr>
-          <p:cNvPr id="154" name="Google Shape;154;p16"/>
-          <p:cNvSpPr txBox="1"/>
-          <p:nvPr>
-            <p:ph idx="1" type="body"/>
-          </p:nvPr>
-        </p:nvSpPr>
-        <p:spPr>
-          <a:xfrm>
-            <a:off x="1297500" y="1307850"/>
-            <a:ext cx="7038900" cy="3171000"/>
-          </a:xfrm>
-          <a:prstGeom prst="rect">
-            <a:avLst/>
-          </a:prstGeom>
-        </p:spPr>
-        <p:txBody>
-          <a:bodyPr anchorCtr="0" anchor="t" bIns="91425" lIns="91425" spcFirstLastPara="1" rIns="91425" wrap="square" tIns="91425">
-            <a:noAutofit/>
-          </a:bodyPr>
-          <a:lstStyle/>
-          <a:p>
-            <a:pPr indent="0" lvl="0" marL="0" rtl="0" algn="l">
-              <a:spcBef>
-                <a:spcPts val="0"/>
-              </a:spcBef>
-              <a:spcAft>
-                <a:spcPts val="0"/>
-              </a:spcAft>
-              <a:buNone/>
-            </a:pPr>
-            <a:r>
-              <a:rPr lang="en"/>
-              <a:t>HelloWorld - LEDS say “hello” in Morse Code using Python! </a:t>
+              <a:rPr lang="en" sz="1300">
+                <a:latin typeface="Lato"/>
+                <a:ea typeface="Lato"/>
+                <a:cs typeface="Lato"/>
+                <a:sym typeface="Lato"/>
+              </a:rPr>
+              <a:t>HelloWorld - LEDS say “hello” in Morse Code using Python! (</a:t>
             </a:r>
             <a:r>
-              <a:rPr lang="en"/>
-              <a:t>(</a:t>
-            </a:r>
-            <a:r>
-              <a:rPr lang="en" u="sng">
+              <a:rPr lang="en" sz="1300" u="sng">
                 <a:solidFill>
                   <a:schemeClr val="accent5"/>
                 </a:solidFill>
+                <a:latin typeface="Lato"/>
+                <a:ea typeface="Lato"/>
+                <a:cs typeface="Lato"/>
+                <a:sym typeface="Lato"/>
                 <a:hlinkClick r:id="rId3"/>
               </a:rPr>
               <a:t>DEMO</a:t>
             </a:r>
             <a:r>
-              <a:rPr lang="en"/>
+              <a:rPr lang="en" sz="1300">
+                <a:latin typeface="Lato"/>
+                <a:ea typeface="Lato"/>
+                <a:cs typeface="Lato"/>
+                <a:sym typeface="Lato"/>
+              </a:rPr>
               <a:t>) - </a:t>
             </a:r>
             <a:r>
-              <a:rPr i="1" lang="en"/>
+              <a:rPr i="1" lang="en" sz="1300">
+                <a:latin typeface="Lato"/>
+                <a:ea typeface="Lato"/>
+                <a:cs typeface="Lato"/>
+                <a:sym typeface="Lato"/>
+              </a:rPr>
               <a:t>in class only</a:t>
             </a:r>
-            <a:endParaRPr/>
+            <a:endParaRPr sz="1300">
+              <a:latin typeface="Lato"/>
+              <a:ea typeface="Lato"/>
+              <a:cs typeface="Lato"/>
+              <a:sym typeface="Lato"/>
+            </a:endParaRPr>
           </a:p>
           <a:p>
             <a:pPr indent="0" lvl="0" marL="0" rtl="0" algn="l">
+              <a:lnSpc>
+                <a:spcPct val="115000"/>
+              </a:lnSpc>
               <a:spcBef>
                 <a:spcPts val="1600"/>
               </a:spcBef>
               <a:spcAft>
+                <a:spcPts val="0"/>
+              </a:spcAft>
+              <a:buNone/>
+            </a:pPr>
+            <a:r>
+              <a:t/>
+            </a:r>
+            <a:endParaRPr sz="1300">
+              <a:latin typeface="Lato"/>
+              <a:ea typeface="Lato"/>
+              <a:cs typeface="Lato"/>
+              <a:sym typeface="Lato"/>
+            </a:endParaRPr>
+          </a:p>
+          <a:p>
+            <a:pPr indent="0" lvl="0" marL="0" rtl="0" algn="l">
+              <a:spcBef>
                 <a:spcPts val="1600"/>
+              </a:spcBef>
+              <a:spcAft>
+                <a:spcPts val="0"/>
               </a:spcAft>
               <a:buNone/>
             </a:pPr>
@@ -16093,7 +16099,7 @@
       </p:sp>
       <p:pic>
         <p:nvPicPr>
-          <p:cNvPr id="155" name="Google Shape;155;p16"/>
+          <p:cNvPr id="154" name="Google Shape;154;p16"/>
           <p:cNvPicPr preferRelativeResize="0"/>
           <p:nvPr/>
         </p:nvPicPr>
@@ -16107,8 +16113,8 @@
         </p:blipFill>
         <p:spPr>
           <a:xfrm rot="5400000">
-            <a:off x="3043125" y="585151"/>
-            <a:ext cx="3057750" cy="5673200"/>
+            <a:off x="4886763" y="1028313"/>
+            <a:ext cx="2839100" cy="5267524"/>
           </a:xfrm>
           <a:prstGeom prst="rect">
             <a:avLst/>
@@ -16122,6 +16128,34 @@
             <a:round/>
             <a:headEnd len="sm" w="sm" type="none"/>
             <a:tailEnd len="sm" w="sm" type="none"/>
+          </a:ln>
+        </p:spPr>
+      </p:pic>
+      <p:pic>
+        <p:nvPicPr>
+          <p:cNvPr id="155" name="Google Shape;155;p16"/>
+          <p:cNvPicPr preferRelativeResize="0"/>
+          <p:nvPr/>
+        </p:nvPicPr>
+        <p:blipFill>
+          <a:blip r:embed="rId5">
+            <a:alphaModFix/>
+          </a:blip>
+          <a:stretch>
+            <a:fillRect/>
+          </a:stretch>
+        </p:blipFill>
+        <p:spPr>
+          <a:xfrm>
+            <a:off x="127549" y="1495900"/>
+            <a:ext cx="4597375" cy="2157650"/>
+          </a:xfrm>
+          <a:prstGeom prst="rect">
+            <a:avLst/>
+          </a:prstGeom>
+          <a:noFill/>
+          <a:ln>
+            <a:noFill/>
           </a:ln>
         </p:spPr>
       </p:pic>
@@ -16221,7 +16255,7 @@
             <a:tbl>
               <a:tblPr>
                 <a:noFill/>
-                <a:tableStyleId>{C9ED71EE-A23C-49A4-B947-668A60F3EF4A}</a:tableStyleId>
+                <a:tableStyleId>{D76AD4D8-0980-496B-99F9-FFA61FFBC261}</a:tableStyleId>
               </a:tblPr>
               <a:tblGrid>
                 <a:gridCol w="1485900"/>
